--- a/ClassMaterials/MoreEventBasedProgramming/Slides/MoreEventBasedProgramming.pptx
+++ b/ClassMaterials/MoreEventBasedProgramming/Slides/MoreEventBasedProgramming.pptx
@@ -280,7 +280,7 @@
             <a:fld id="{68AFFCC9-E980-4A2E-8F84-91052C1F2C22}" type="datetime1">
               <a:rPr lang="en-US"/>
               <a:pPr/>
-              <a:t>5/3/2018</a:t>
+              <a:t>1/31/20</a:t>
             </a:fld>
             <a:endParaRPr lang="en-US"/>
           </a:p>
@@ -509,7 +509,7 @@
             <a:fld id="{C4411CED-79EF-4046-B79B-F8927B54B6B0}" type="datetime1">
               <a:rPr lang="en-US"/>
               <a:pPr/>
-              <a:t>5/3/2018</a:t>
+              <a:t>1/31/20</a:t>
             </a:fld>
             <a:endParaRPr lang="en-US"/>
           </a:p>
@@ -585,39 +585,37 @@
           <a:p>
             <a:pPr lvl="0"/>
             <a:r>
-              <a:rPr lang="en-US" noProof="0" smtClean="0"/>
+              <a:rPr lang="en-US" noProof="0"/>
               <a:t>Click to edit Master text styles</a:t>
             </a:r>
-            <a:endParaRPr lang="en-US" noProof="0"/>
           </a:p>
           <a:p>
             <a:pPr lvl="1"/>
             <a:r>
-              <a:rPr lang="en-US" noProof="0" smtClean="0"/>
+              <a:rPr lang="en-US" noProof="0"/>
               <a:t>Second level</a:t>
             </a:r>
           </a:p>
           <a:p>
             <a:pPr lvl="2"/>
             <a:r>
-              <a:rPr lang="en-US" noProof="0" smtClean="0"/>
+              <a:rPr lang="en-US" noProof="0"/>
               <a:t>Third level</a:t>
             </a:r>
           </a:p>
           <a:p>
             <a:pPr lvl="3"/>
             <a:r>
-              <a:rPr lang="en-US" noProof="0" smtClean="0"/>
+              <a:rPr lang="en-US" noProof="0"/>
               <a:t>Fourth level</a:t>
             </a:r>
           </a:p>
           <a:p>
             <a:pPr lvl="4"/>
             <a:r>
-              <a:rPr lang="en-US" noProof="0" smtClean="0"/>
+              <a:rPr lang="en-US" noProof="0"/>
               <a:t>Fifth level</a:t>
             </a:r>
-            <a:endParaRPr lang="en-US" noProof="0"/>
           </a:p>
         </p:txBody>
       </p:sp>
@@ -914,7 +912,7 @@
                 <a:spcPct val="0"/>
               </a:spcBef>
             </a:pPr>
-            <a:endParaRPr lang="en-US" dirty="0" smtClean="0"/>
+            <a:endParaRPr lang="en-US" dirty="0"/>
           </a:p>
         </p:txBody>
       </p:sp>
@@ -1019,7 +1017,7 @@
               <a:defRPr/>
             </a:pPr>
             <a:r>
-              <a:rPr lang="en-US" dirty="0" smtClean="0"/>
+              <a:rPr lang="en-US" dirty="0"/>
               <a:t>Ask students:</a:t>
             </a:r>
           </a:p>
@@ -1042,11 +1040,11 @@
               <a:defRPr/>
             </a:pPr>
             <a:r>
-              <a:rPr lang="en-US" dirty="0" smtClean="0"/>
+              <a:rPr lang="en-US" dirty="0"/>
               <a:t>Imagine a list gets changed while you try to move through it,</a:t>
             </a:r>
             <a:r>
-              <a:rPr lang="en-US" baseline="0" dirty="0" smtClean="0"/>
+              <a:rPr lang="en-US" baseline="0" dirty="0"/>
               <a:t> what could go wrong?</a:t>
             </a:r>
           </a:p>
@@ -1069,7 +1067,7 @@
               <a:defRPr/>
             </a:pPr>
             <a:r>
-              <a:rPr lang="en-US" baseline="0" dirty="0" smtClean="0"/>
+              <a:rPr lang="en-US" baseline="0" dirty="0"/>
               <a:t>Read from bad location in memory, get into infinite loop, double visit, skip, etc.</a:t>
             </a:r>
             <a:endParaRPr lang="en-US" dirty="0"/>
@@ -1158,11 +1156,11 @@
           <a:lstStyle/>
           <a:p>
             <a:r>
-              <a:rPr lang="en-US" dirty="0" smtClean="0"/>
+              <a:rPr lang="en-US" dirty="0"/>
               <a:t>Consider drawing a single diagram on the board showing separate thread of execution</a:t>
             </a:r>
             <a:r>
-              <a:rPr lang="en-US" baseline="0" dirty="0" smtClean="0"/>
+              <a:rPr lang="en-US" baseline="0" dirty="0"/>
               <a:t> as lines</a:t>
             </a:r>
             <a:endParaRPr lang="en-US" dirty="0"/>
@@ -1263,7 +1261,7 @@
           <a:bodyPr/>
           <a:lstStyle/>
           <a:p>
-            <a:endParaRPr lang="en-US" dirty="0" smtClean="0"/>
+            <a:endParaRPr lang="en-US" dirty="0"/>
           </a:p>
         </p:txBody>
       </p:sp>
@@ -1344,10 +1342,9 @@
           <a:lstStyle/>
           <a:p>
             <a:r>
-              <a:rPr lang="en-US" smtClean="0"/>
+              <a:rPr lang="en-US"/>
               <a:t>Click to edit Master title style</a:t>
             </a:r>
-            <a:endParaRPr lang="en-US"/>
           </a:p>
         </p:txBody>
       </p:sp>
@@ -1463,10 +1460,9 @@
           </a:lstStyle>
           <a:p>
             <a:r>
-              <a:rPr lang="en-US" smtClean="0"/>
+              <a:rPr lang="en-US"/>
               <a:t>Click to edit Master subtitle style</a:t>
             </a:r>
-            <a:endParaRPr lang="en-US"/>
           </a:p>
         </p:txBody>
       </p:sp>
@@ -1488,7 +1484,7 @@
             <a:fld id="{43E6E5DC-7A70-4CAB-B8CA-FD7CFBA6DDCF}" type="datetime1">
               <a:rPr lang="en-US" smtClean="0"/>
               <a:pPr/>
-              <a:t>5/3/2018</a:t>
+              <a:t>1/31/20</a:t>
             </a:fld>
             <a:endParaRPr lang="en-US"/>
           </a:p>
@@ -1586,10 +1582,9 @@
           <a:lstStyle/>
           <a:p>
             <a:r>
-              <a:rPr lang="en-US" smtClean="0"/>
+              <a:rPr lang="en-US"/>
               <a:t>Click to edit Master title style</a:t>
             </a:r>
-            <a:endParaRPr lang="en-US"/>
           </a:p>
         </p:txBody>
       </p:sp>
@@ -1610,38 +1605,37 @@
           <a:p>
             <a:pPr lvl="0"/>
             <a:r>
-              <a:rPr lang="en-US" smtClean="0"/>
+              <a:rPr lang="en-US"/>
               <a:t>Click to edit Master text styles</a:t>
             </a:r>
           </a:p>
           <a:p>
             <a:pPr lvl="1"/>
             <a:r>
-              <a:rPr lang="en-US" smtClean="0"/>
+              <a:rPr lang="en-US"/>
               <a:t>Second level</a:t>
             </a:r>
           </a:p>
           <a:p>
             <a:pPr lvl="2"/>
             <a:r>
-              <a:rPr lang="en-US" smtClean="0"/>
+              <a:rPr lang="en-US"/>
               <a:t>Third level</a:t>
             </a:r>
           </a:p>
           <a:p>
             <a:pPr lvl="3"/>
             <a:r>
-              <a:rPr lang="en-US" smtClean="0"/>
+              <a:rPr lang="en-US"/>
               <a:t>Fourth level</a:t>
             </a:r>
           </a:p>
           <a:p>
             <a:pPr lvl="4"/>
             <a:r>
-              <a:rPr lang="en-US" smtClean="0"/>
+              <a:rPr lang="en-US"/>
               <a:t>Fifth level</a:t>
             </a:r>
-            <a:endParaRPr lang="en-US"/>
           </a:p>
         </p:txBody>
       </p:sp>
@@ -1663,7 +1657,7 @@
             <a:fld id="{34C58A64-F6CF-4D4F-A14E-4E9A6689521C}" type="datetime1">
               <a:rPr lang="en-US" smtClean="0"/>
               <a:pPr/>
-              <a:t>5/3/2018</a:t>
+              <a:t>1/31/20</a:t>
             </a:fld>
             <a:endParaRPr lang="en-US"/>
           </a:p>
@@ -1766,10 +1760,9 @@
           <a:lstStyle/>
           <a:p>
             <a:r>
-              <a:rPr lang="en-US" smtClean="0"/>
+              <a:rPr lang="en-US"/>
               <a:t>Click to edit Master title style</a:t>
             </a:r>
-            <a:endParaRPr lang="en-US"/>
           </a:p>
         </p:txBody>
       </p:sp>
@@ -1795,38 +1788,37 @@
           <a:p>
             <a:pPr lvl="0"/>
             <a:r>
-              <a:rPr lang="en-US" smtClean="0"/>
+              <a:rPr lang="en-US"/>
               <a:t>Click to edit Master text styles</a:t>
             </a:r>
           </a:p>
           <a:p>
             <a:pPr lvl="1"/>
             <a:r>
-              <a:rPr lang="en-US" smtClean="0"/>
+              <a:rPr lang="en-US"/>
               <a:t>Second level</a:t>
             </a:r>
           </a:p>
           <a:p>
             <a:pPr lvl="2"/>
             <a:r>
-              <a:rPr lang="en-US" smtClean="0"/>
+              <a:rPr lang="en-US"/>
               <a:t>Third level</a:t>
             </a:r>
           </a:p>
           <a:p>
             <a:pPr lvl="3"/>
             <a:r>
-              <a:rPr lang="en-US" smtClean="0"/>
+              <a:rPr lang="en-US"/>
               <a:t>Fourth level</a:t>
             </a:r>
           </a:p>
           <a:p>
             <a:pPr lvl="4"/>
             <a:r>
-              <a:rPr lang="en-US" smtClean="0"/>
+              <a:rPr lang="en-US"/>
               <a:t>Fifth level</a:t>
             </a:r>
-            <a:endParaRPr lang="en-US"/>
           </a:p>
         </p:txBody>
       </p:sp>
@@ -1848,7 +1840,7 @@
             <a:fld id="{28A961FD-7946-4EF3-8B09-2E96C5099CE1}" type="datetime1">
               <a:rPr lang="en-US" smtClean="0"/>
               <a:pPr/>
-              <a:t>5/3/2018</a:t>
+              <a:t>1/31/20</a:t>
             </a:fld>
             <a:endParaRPr lang="en-US"/>
           </a:p>
@@ -1946,10 +1938,9 @@
           <a:lstStyle/>
           <a:p>
             <a:r>
-              <a:rPr lang="en-US" smtClean="0"/>
+              <a:rPr lang="en-US"/>
               <a:t>Click to edit Master title style</a:t>
             </a:r>
-            <a:endParaRPr lang="en-US"/>
           </a:p>
         </p:txBody>
       </p:sp>
@@ -1970,38 +1961,37 @@
           <a:p>
             <a:pPr lvl="0"/>
             <a:r>
-              <a:rPr lang="en-US" smtClean="0"/>
+              <a:rPr lang="en-US"/>
               <a:t>Click to edit Master text styles</a:t>
             </a:r>
           </a:p>
           <a:p>
             <a:pPr lvl="1"/>
             <a:r>
-              <a:rPr lang="en-US" smtClean="0"/>
+              <a:rPr lang="en-US"/>
               <a:t>Second level</a:t>
             </a:r>
           </a:p>
           <a:p>
             <a:pPr lvl="2"/>
             <a:r>
-              <a:rPr lang="en-US" smtClean="0"/>
+              <a:rPr lang="en-US"/>
               <a:t>Third level</a:t>
             </a:r>
           </a:p>
           <a:p>
             <a:pPr lvl="3"/>
             <a:r>
-              <a:rPr lang="en-US" smtClean="0"/>
+              <a:rPr lang="en-US"/>
               <a:t>Fourth level</a:t>
             </a:r>
           </a:p>
           <a:p>
             <a:pPr lvl="4"/>
             <a:r>
-              <a:rPr lang="en-US" smtClean="0"/>
+              <a:rPr lang="en-US"/>
               <a:t>Fifth level</a:t>
             </a:r>
-            <a:endParaRPr lang="en-US"/>
           </a:p>
         </p:txBody>
       </p:sp>
@@ -2023,7 +2013,7 @@
             <a:fld id="{410E03A8-3A50-4824-93B1-5AB2817A85E6}" type="datetime1">
               <a:rPr lang="en-US" smtClean="0"/>
               <a:pPr/>
-              <a:t>5/3/2018</a:t>
+              <a:t>1/31/20</a:t>
             </a:fld>
             <a:endParaRPr lang="en-US"/>
           </a:p>
@@ -2130,10 +2120,9 @@
           </a:lstStyle>
           <a:p>
             <a:r>
-              <a:rPr lang="en-US" smtClean="0"/>
+              <a:rPr lang="en-US"/>
               <a:t>Click to edit Master title style</a:t>
             </a:r>
-            <a:endParaRPr lang="en-US"/>
           </a:p>
         </p:txBody>
       </p:sp>
@@ -2250,7 +2239,7 @@
           <a:p>
             <a:pPr lvl="0"/>
             <a:r>
-              <a:rPr lang="en-US" smtClean="0"/>
+              <a:rPr lang="en-US"/>
               <a:t>Click to edit Master text styles</a:t>
             </a:r>
           </a:p>
@@ -2274,7 +2263,7 @@
             <a:fld id="{69EE78C3-2E3E-4EDD-A8FC-A11FEA9CDF04}" type="datetime1">
               <a:rPr lang="en-US" smtClean="0"/>
               <a:pPr/>
-              <a:t>5/3/2018</a:t>
+              <a:t>1/31/20</a:t>
             </a:fld>
             <a:endParaRPr lang="en-US"/>
           </a:p>
@@ -2372,10 +2361,9 @@
           <a:lstStyle/>
           <a:p>
             <a:r>
-              <a:rPr lang="en-US" smtClean="0"/>
+              <a:rPr lang="en-US"/>
               <a:t>Click to edit Master title style</a:t>
             </a:r>
-            <a:endParaRPr lang="en-US"/>
           </a:p>
         </p:txBody>
       </p:sp>
@@ -2429,38 +2417,37 @@
           <a:p>
             <a:pPr lvl="0"/>
             <a:r>
-              <a:rPr lang="en-US" smtClean="0"/>
+              <a:rPr lang="en-US"/>
               <a:t>Click to edit Master text styles</a:t>
             </a:r>
           </a:p>
           <a:p>
             <a:pPr lvl="1"/>
             <a:r>
-              <a:rPr lang="en-US" smtClean="0"/>
+              <a:rPr lang="en-US"/>
               <a:t>Second level</a:t>
             </a:r>
           </a:p>
           <a:p>
             <a:pPr lvl="2"/>
             <a:r>
-              <a:rPr lang="en-US" smtClean="0"/>
+              <a:rPr lang="en-US"/>
               <a:t>Third level</a:t>
             </a:r>
           </a:p>
           <a:p>
             <a:pPr lvl="3"/>
             <a:r>
-              <a:rPr lang="en-US" smtClean="0"/>
+              <a:rPr lang="en-US"/>
               <a:t>Fourth level</a:t>
             </a:r>
           </a:p>
           <a:p>
             <a:pPr lvl="4"/>
             <a:r>
-              <a:rPr lang="en-US" smtClean="0"/>
+              <a:rPr lang="en-US"/>
               <a:t>Fifth level</a:t>
             </a:r>
-            <a:endParaRPr lang="en-US"/>
           </a:p>
         </p:txBody>
       </p:sp>
@@ -2514,38 +2501,37 @@
           <a:p>
             <a:pPr lvl="0"/>
             <a:r>
-              <a:rPr lang="en-US" smtClean="0"/>
+              <a:rPr lang="en-US"/>
               <a:t>Click to edit Master text styles</a:t>
             </a:r>
           </a:p>
           <a:p>
             <a:pPr lvl="1"/>
             <a:r>
-              <a:rPr lang="en-US" smtClean="0"/>
+              <a:rPr lang="en-US"/>
               <a:t>Second level</a:t>
             </a:r>
           </a:p>
           <a:p>
             <a:pPr lvl="2"/>
             <a:r>
-              <a:rPr lang="en-US" smtClean="0"/>
+              <a:rPr lang="en-US"/>
               <a:t>Third level</a:t>
             </a:r>
           </a:p>
           <a:p>
             <a:pPr lvl="3"/>
             <a:r>
-              <a:rPr lang="en-US" smtClean="0"/>
+              <a:rPr lang="en-US"/>
               <a:t>Fourth level</a:t>
             </a:r>
           </a:p>
           <a:p>
             <a:pPr lvl="4"/>
             <a:r>
-              <a:rPr lang="en-US" smtClean="0"/>
+              <a:rPr lang="en-US"/>
               <a:t>Fifth level</a:t>
             </a:r>
-            <a:endParaRPr lang="en-US"/>
           </a:p>
         </p:txBody>
       </p:sp>
@@ -2567,7 +2553,7 @@
             <a:fld id="{9CAD6738-AE48-490E-BA60-16B31C3E5798}" type="datetime1">
               <a:rPr lang="en-US" smtClean="0"/>
               <a:pPr/>
-              <a:t>5/3/2018</a:t>
+              <a:t>1/31/20</a:t>
             </a:fld>
             <a:endParaRPr lang="en-US"/>
           </a:p>
@@ -2669,10 +2655,9 @@
           </a:lstStyle>
           <a:p>
             <a:r>
-              <a:rPr lang="en-US" smtClean="0"/>
+              <a:rPr lang="en-US"/>
               <a:t>Click to edit Master title style</a:t>
             </a:r>
-            <a:endParaRPr lang="en-US"/>
           </a:p>
         </p:txBody>
       </p:sp>
@@ -2735,7 +2720,7 @@
           <a:p>
             <a:pPr lvl="0"/>
             <a:r>
-              <a:rPr lang="en-US" smtClean="0"/>
+              <a:rPr lang="en-US"/>
               <a:t>Click to edit Master text styles</a:t>
             </a:r>
           </a:p>
@@ -2791,38 +2776,37 @@
           <a:p>
             <a:pPr lvl="0"/>
             <a:r>
-              <a:rPr lang="en-US" smtClean="0"/>
+              <a:rPr lang="en-US"/>
               <a:t>Click to edit Master text styles</a:t>
             </a:r>
           </a:p>
           <a:p>
             <a:pPr lvl="1"/>
             <a:r>
-              <a:rPr lang="en-US" smtClean="0"/>
+              <a:rPr lang="en-US"/>
               <a:t>Second level</a:t>
             </a:r>
           </a:p>
           <a:p>
             <a:pPr lvl="2"/>
             <a:r>
-              <a:rPr lang="en-US" smtClean="0"/>
+              <a:rPr lang="en-US"/>
               <a:t>Third level</a:t>
             </a:r>
           </a:p>
           <a:p>
             <a:pPr lvl="3"/>
             <a:r>
-              <a:rPr lang="en-US" smtClean="0"/>
+              <a:rPr lang="en-US"/>
               <a:t>Fourth level</a:t>
             </a:r>
           </a:p>
           <a:p>
             <a:pPr lvl="4"/>
             <a:r>
-              <a:rPr lang="en-US" smtClean="0"/>
+              <a:rPr lang="en-US"/>
               <a:t>Fifth level</a:t>
             </a:r>
-            <a:endParaRPr lang="en-US"/>
           </a:p>
         </p:txBody>
       </p:sp>
@@ -2885,7 +2869,7 @@
           <a:p>
             <a:pPr lvl="0"/>
             <a:r>
-              <a:rPr lang="en-US" smtClean="0"/>
+              <a:rPr lang="en-US"/>
               <a:t>Click to edit Master text styles</a:t>
             </a:r>
           </a:p>
@@ -2941,38 +2925,37 @@
           <a:p>
             <a:pPr lvl="0"/>
             <a:r>
-              <a:rPr lang="en-US" smtClean="0"/>
+              <a:rPr lang="en-US"/>
               <a:t>Click to edit Master text styles</a:t>
             </a:r>
           </a:p>
           <a:p>
             <a:pPr lvl="1"/>
             <a:r>
-              <a:rPr lang="en-US" smtClean="0"/>
+              <a:rPr lang="en-US"/>
               <a:t>Second level</a:t>
             </a:r>
           </a:p>
           <a:p>
             <a:pPr lvl="2"/>
             <a:r>
-              <a:rPr lang="en-US" smtClean="0"/>
+              <a:rPr lang="en-US"/>
               <a:t>Third level</a:t>
             </a:r>
           </a:p>
           <a:p>
             <a:pPr lvl="3"/>
             <a:r>
-              <a:rPr lang="en-US" smtClean="0"/>
+              <a:rPr lang="en-US"/>
               <a:t>Fourth level</a:t>
             </a:r>
           </a:p>
           <a:p>
             <a:pPr lvl="4"/>
             <a:r>
-              <a:rPr lang="en-US" smtClean="0"/>
+              <a:rPr lang="en-US"/>
               <a:t>Fifth level</a:t>
             </a:r>
-            <a:endParaRPr lang="en-US"/>
           </a:p>
         </p:txBody>
       </p:sp>
@@ -2994,7 +2977,7 @@
             <a:fld id="{12137309-80BC-4890-B91A-AB9885E172E5}" type="datetime1">
               <a:rPr lang="en-US" smtClean="0"/>
               <a:pPr/>
-              <a:t>5/3/2018</a:t>
+              <a:t>1/31/20</a:t>
             </a:fld>
             <a:endParaRPr lang="en-US"/>
           </a:p>
@@ -3092,10 +3075,9 @@
           <a:lstStyle/>
           <a:p>
             <a:r>
-              <a:rPr lang="en-US" smtClean="0"/>
+              <a:rPr lang="en-US"/>
               <a:t>Click to edit Master title style</a:t>
             </a:r>
-            <a:endParaRPr lang="en-US"/>
           </a:p>
         </p:txBody>
       </p:sp>
@@ -3117,7 +3099,7 @@
             <a:fld id="{79C16A63-0F78-4E9D-81E4-A84E1F25A0A3}" type="datetime1">
               <a:rPr lang="en-US" smtClean="0"/>
               <a:pPr/>
-              <a:t>5/3/2018</a:t>
+              <a:t>1/31/20</a:t>
             </a:fld>
             <a:endParaRPr lang="en-US"/>
           </a:p>
@@ -3217,7 +3199,7 @@
             <a:fld id="{DC5FF9E9-979C-4422-A1BB-1DC64426F0DA}" type="datetime1">
               <a:rPr lang="en-US" smtClean="0"/>
               <a:pPr/>
-              <a:t>5/3/2018</a:t>
+              <a:t>1/31/20</a:t>
             </a:fld>
             <a:endParaRPr lang="en-US"/>
           </a:p>
@@ -3324,10 +3306,9 @@
           </a:lstStyle>
           <a:p>
             <a:r>
-              <a:rPr lang="en-US" smtClean="0"/>
+              <a:rPr lang="en-US"/>
               <a:t>Click to edit Master title style</a:t>
             </a:r>
-            <a:endParaRPr lang="en-US"/>
           </a:p>
         </p:txBody>
       </p:sp>
@@ -3381,38 +3362,37 @@
           <a:p>
             <a:pPr lvl="0"/>
             <a:r>
-              <a:rPr lang="en-US" smtClean="0"/>
+              <a:rPr lang="en-US"/>
               <a:t>Click to edit Master text styles</a:t>
             </a:r>
           </a:p>
           <a:p>
             <a:pPr lvl="1"/>
             <a:r>
-              <a:rPr lang="en-US" smtClean="0"/>
+              <a:rPr lang="en-US"/>
               <a:t>Second level</a:t>
             </a:r>
           </a:p>
           <a:p>
             <a:pPr lvl="2"/>
             <a:r>
-              <a:rPr lang="en-US" smtClean="0"/>
+              <a:rPr lang="en-US"/>
               <a:t>Third level</a:t>
             </a:r>
           </a:p>
           <a:p>
             <a:pPr lvl="3"/>
             <a:r>
-              <a:rPr lang="en-US" smtClean="0"/>
+              <a:rPr lang="en-US"/>
               <a:t>Fourth level</a:t>
             </a:r>
           </a:p>
           <a:p>
             <a:pPr lvl="4"/>
             <a:r>
-              <a:rPr lang="en-US" smtClean="0"/>
+              <a:rPr lang="en-US"/>
               <a:t>Fifth level</a:t>
             </a:r>
-            <a:endParaRPr lang="en-US"/>
           </a:p>
         </p:txBody>
       </p:sp>
@@ -3475,7 +3455,7 @@
           <a:p>
             <a:pPr lvl="0"/>
             <a:r>
-              <a:rPr lang="en-US" smtClean="0"/>
+              <a:rPr lang="en-US"/>
               <a:t>Click to edit Master text styles</a:t>
             </a:r>
           </a:p>
@@ -3499,7 +3479,7 @@
             <a:fld id="{B9B7020D-910B-4676-A902-AD52382F28B6}" type="datetime1">
               <a:rPr lang="en-US" smtClean="0"/>
               <a:pPr/>
-              <a:t>5/3/2018</a:t>
+              <a:t>1/31/20</a:t>
             </a:fld>
             <a:endParaRPr lang="en-US"/>
           </a:p>
@@ -3606,10 +3586,9 @@
           </a:lstStyle>
           <a:p>
             <a:r>
-              <a:rPr lang="en-US" smtClean="0"/>
+              <a:rPr lang="en-US"/>
               <a:t>Click to edit Master title style</a:t>
             </a:r>
-            <a:endParaRPr lang="en-US"/>
           </a:p>
         </p:txBody>
       </p:sp>
@@ -3733,7 +3712,7 @@
           <a:p>
             <a:pPr lvl="0"/>
             <a:r>
-              <a:rPr lang="en-US" smtClean="0"/>
+              <a:rPr lang="en-US"/>
               <a:t>Click to edit Master text styles</a:t>
             </a:r>
           </a:p>
@@ -3757,7 +3736,7 @@
             <a:fld id="{4695FF79-924D-47D6-A727-6A03000C0C91}" type="datetime1">
               <a:rPr lang="en-US" smtClean="0"/>
               <a:pPr/>
-              <a:t>5/3/2018</a:t>
+              <a:t>1/31/20</a:t>
             </a:fld>
             <a:endParaRPr lang="en-US"/>
           </a:p>
@@ -3870,10 +3849,9 @@
           <a:lstStyle/>
           <a:p>
             <a:r>
-              <a:rPr lang="en-US" smtClean="0"/>
+              <a:rPr lang="en-US"/>
               <a:t>Click to edit Master title style</a:t>
             </a:r>
-            <a:endParaRPr lang="en-US"/>
           </a:p>
         </p:txBody>
       </p:sp>
@@ -3904,38 +3882,37 @@
           <a:p>
             <a:pPr lvl="0"/>
             <a:r>
-              <a:rPr lang="en-US" smtClean="0"/>
+              <a:rPr lang="en-US"/>
               <a:t>Click to edit Master text styles</a:t>
             </a:r>
           </a:p>
           <a:p>
             <a:pPr lvl="1"/>
             <a:r>
-              <a:rPr lang="en-US" smtClean="0"/>
+              <a:rPr lang="en-US"/>
               <a:t>Second level</a:t>
             </a:r>
           </a:p>
           <a:p>
             <a:pPr lvl="2"/>
             <a:r>
-              <a:rPr lang="en-US" smtClean="0"/>
+              <a:rPr lang="en-US"/>
               <a:t>Third level</a:t>
             </a:r>
           </a:p>
           <a:p>
             <a:pPr lvl="3"/>
             <a:r>
-              <a:rPr lang="en-US" smtClean="0"/>
+              <a:rPr lang="en-US"/>
               <a:t>Fourth level</a:t>
             </a:r>
           </a:p>
           <a:p>
             <a:pPr lvl="4"/>
             <a:r>
-              <a:rPr lang="en-US" smtClean="0"/>
+              <a:rPr lang="en-US"/>
               <a:t>Fifth level</a:t>
             </a:r>
-            <a:endParaRPr lang="en-US"/>
           </a:p>
         </p:txBody>
       </p:sp>
@@ -3975,7 +3952,7 @@
             <a:fld id="{A51E304D-C692-4D58-A925-D35D66927263}" type="datetime1">
               <a:rPr lang="en-US" smtClean="0"/>
               <a:pPr/>
-              <a:t>5/3/2018</a:t>
+              <a:t>1/31/20</a:t>
             </a:fld>
             <a:endParaRPr lang="en-US"/>
           </a:p>
@@ -4376,16 +4353,12 @@
               <a:defRPr/>
             </a:pPr>
             <a:r>
-              <a:rPr lang="en-US" dirty="0" smtClean="0">
+              <a:rPr lang="en-US" dirty="0">
                 <a:ea typeface="+mj-ea"/>
                 <a:cs typeface="+mj-cs"/>
               </a:rPr>
               <a:t>CSSE 220</a:t>
             </a:r>
-            <a:endParaRPr lang="en-US" dirty="0">
-              <a:ea typeface="+mj-ea"/>
-              <a:cs typeface="+mj-cs"/>
-            </a:endParaRPr>
           </a:p>
         </p:txBody>
       </p:sp>
@@ -4410,7 +4383,7 @@
               </a:lnSpc>
             </a:pPr>
             <a:r>
-              <a:rPr lang="en-US" sz="2500" dirty="0" smtClean="0"/>
+              <a:rPr lang="en-US" sz="2500" dirty="0"/>
               <a:t>Project Workday</a:t>
             </a:r>
           </a:p>
@@ -4420,14 +4393,10 @@
                 <a:spcPct val="90000"/>
               </a:lnSpc>
             </a:pPr>
-            <a:r>
-              <a:rPr lang="en-US" sz="2500" dirty="0" smtClean="0"/>
-              <a:t/>
-            </a:r>
             <a:br>
-              <a:rPr lang="en-US" sz="2500" dirty="0" smtClean="0"/>
+              <a:rPr lang="en-US" sz="2500" dirty="0"/>
             </a:br>
-            <a:endParaRPr lang="en-US" sz="2500" dirty="0" smtClean="0"/>
+            <a:endParaRPr lang="en-US" sz="2500" dirty="0"/>
           </a:p>
         </p:txBody>
       </p:sp>
@@ -4473,20 +4442,25 @@
             </a:pPr>
             <a:r>
               <a:rPr lang="en-US" sz="2400" b="1" dirty="0"/>
-              <a:t>Checkout </a:t>
-            </a:r>
-            <a:r>
-              <a:rPr lang="en-US" sz="2400" b="1" i="1" dirty="0" err="1" smtClean="0"/>
-              <a:t>EventBasedGame</a:t>
-            </a:r>
-            <a:r>
-              <a:rPr lang="en-US" sz="2400" b="1" i="1" dirty="0" smtClean="0"/>
+              <a:t>Import </a:t>
+            </a:r>
+            <a:r>
+              <a:rPr lang="en-US" sz="2400" b="1" i="1" dirty="0" err="1"/>
+              <a:t>MoreEventBasedProgramming</a:t>
+            </a:r>
+            <a:r>
+              <a:rPr lang="en-US" sz="2400" b="1" i="1" dirty="0"/>
               <a:t> </a:t>
             </a:r>
             <a:r>
               <a:rPr lang="en-US" sz="2400" b="1" dirty="0"/>
-              <a:t>project from SVN</a:t>
-            </a:r>
+              <a:t>project </a:t>
+            </a:r>
+            <a:r>
+              <a:rPr lang="en-US" sz="2400" b="1"/>
+              <a:t>from repo</a:t>
+            </a:r>
+            <a:endParaRPr lang="en-US" sz="2400" b="1" dirty="0"/>
           </a:p>
         </p:txBody>
       </p:sp>
@@ -4495,13 +4469,6 @@
   <p:clrMapOvr>
     <a:masterClrMapping/>
   </p:clrMapOvr>
-  <p:timing>
-    <p:tnLst>
-      <p:par>
-        <p:cTn id="1" dur="indefinite" restart="never" nodeType="tmRoot"/>
-      </p:par>
-    </p:tnLst>
-  </p:timing>
 </p:sld>
 </file>
 
@@ -4538,10 +4505,9 @@
           <a:lstStyle/>
           <a:p>
             <a:r>
-              <a:rPr lang="en-US" dirty="0" smtClean="0"/>
+              <a:rPr lang="en-US" dirty="0"/>
               <a:t>Objectives</a:t>
             </a:r>
-            <a:endParaRPr lang="en-US" dirty="0"/>
           </a:p>
         </p:txBody>
       </p:sp>
@@ -4561,56 +4527,55 @@
           <a:lstStyle/>
           <a:p>
             <a:r>
-              <a:rPr lang="en-US" dirty="0" smtClean="0"/>
+              <a:rPr lang="en-US" dirty="0"/>
               <a:t>Learn how to avoid common project errors</a:t>
             </a:r>
           </a:p>
           <a:p>
             <a:r>
-              <a:rPr lang="en-US" dirty="0" smtClean="0"/>
+              <a:rPr lang="en-US" dirty="0"/>
               <a:t>Learn how to setup a timer to create events</a:t>
             </a:r>
           </a:p>
           <a:p>
             <a:r>
-              <a:rPr lang="en-US" dirty="0" smtClean="0"/>
+              <a:rPr lang="en-US" dirty="0"/>
               <a:t>Live-code examples of these</a:t>
             </a:r>
           </a:p>
           <a:p>
             <a:r>
-              <a:rPr lang="en-US" dirty="0" smtClean="0"/>
+              <a:rPr lang="en-US" dirty="0"/>
               <a:t>Practice interaction between game elements</a:t>
             </a:r>
           </a:p>
           <a:p>
             <a:r>
-              <a:rPr lang="en-US" dirty="0" smtClean="0"/>
+              <a:rPr lang="en-US" dirty="0"/>
               <a:t>Think about applying this material to project</a:t>
             </a:r>
           </a:p>
           <a:p>
             <a:pPr lvl="1"/>
             <a:r>
-              <a:rPr lang="en-US" dirty="0" smtClean="0"/>
+              <a:rPr lang="en-US" dirty="0"/>
               <a:t>2</a:t>
             </a:r>
             <a:r>
-              <a:rPr lang="en-US" baseline="30000" dirty="0" smtClean="0"/>
+              <a:rPr lang="en-US" baseline="30000" dirty="0"/>
               <a:t>nd</a:t>
             </a:r>
             <a:r>
-              <a:rPr lang="en-US" dirty="0" smtClean="0"/>
+              <a:rPr lang="en-US" dirty="0"/>
               <a:t> hour work time for project</a:t>
             </a:r>
           </a:p>
           <a:p>
             <a:pPr lvl="1"/>
             <a:r>
-              <a:rPr lang="en-US" dirty="0" smtClean="0"/>
+              <a:rPr lang="en-US" dirty="0"/>
               <a:t>project adviser will visit</a:t>
             </a:r>
-            <a:endParaRPr lang="en-US" dirty="0"/>
           </a:p>
         </p:txBody>
       </p:sp>
@@ -4662,10 +4627,9 @@
           <a:lstStyle/>
           <a:p>
             <a:r>
-              <a:rPr lang="en-US" dirty="0" smtClean="0"/>
+              <a:rPr lang="en-US" dirty="0"/>
               <a:t>Concurrent Modification Exceptions</a:t>
             </a:r>
-            <a:endParaRPr lang="en-US" dirty="0"/>
           </a:p>
         </p:txBody>
       </p:sp>
@@ -4687,26 +4651,26 @@
           <a:lstStyle/>
           <a:p>
             <a:r>
-              <a:rPr lang="en-US" dirty="0" smtClean="0"/>
+              <a:rPr lang="en-US" dirty="0"/>
               <a:t>Happens when you try to change something that is being used</a:t>
             </a:r>
           </a:p>
           <a:p>
             <a:r>
-              <a:rPr lang="en-US" dirty="0" smtClean="0"/>
+              <a:rPr lang="en-US" dirty="0"/>
               <a:t>Example:</a:t>
             </a:r>
           </a:p>
           <a:p>
             <a:pPr lvl="1"/>
             <a:r>
-              <a:rPr lang="en-US" dirty="0" smtClean="0"/>
+              <a:rPr lang="en-US" dirty="0"/>
               <a:t>Removing something from a list while the list is itself being iterated through (drawing/updating)</a:t>
             </a:r>
           </a:p>
           <a:p>
             <a:r>
-              <a:rPr lang="en-US" dirty="0" smtClean="0"/>
+              <a:rPr lang="en-US" dirty="0"/>
               <a:t>Why?</a:t>
             </a:r>
           </a:p>
@@ -4758,10 +4722,9 @@
           <a:lstStyle/>
           <a:p>
             <a:r>
-              <a:rPr lang="en-US" dirty="0" smtClean="0"/>
+              <a:rPr lang="en-US" dirty="0"/>
               <a:t>Threads</a:t>
             </a:r>
-            <a:endParaRPr lang="en-US" dirty="0"/>
           </a:p>
         </p:txBody>
       </p:sp>
@@ -4788,61 +4751,61 @@
           <a:lstStyle/>
           <a:p>
             <a:r>
-              <a:rPr lang="en-US" dirty="0" smtClean="0"/>
+              <a:rPr lang="en-US" dirty="0"/>
               <a:t>Computers can run more than one thread of execution at the same time</a:t>
             </a:r>
           </a:p>
           <a:p>
             <a:pPr lvl="1"/>
             <a:r>
-              <a:rPr lang="en-US" dirty="0" smtClean="0"/>
+              <a:rPr lang="en-US" dirty="0"/>
               <a:t>Even single core processor can simulate this by timesharing (more about this in future courses)</a:t>
             </a:r>
           </a:p>
           <a:p>
             <a:r>
-              <a:rPr lang="en-US" dirty="0" smtClean="0"/>
+              <a:rPr lang="en-US" dirty="0"/>
               <a:t>Main starts every Java program</a:t>
             </a:r>
           </a:p>
           <a:p>
             <a:r>
-              <a:rPr lang="en-US" dirty="0" smtClean="0"/>
+              <a:rPr lang="en-US" dirty="0"/>
               <a:t>Graphics start a </a:t>
             </a:r>
             <a:r>
-              <a:rPr lang="en-US" i="1" dirty="0" smtClean="0"/>
+              <a:rPr lang="en-US" i="1" dirty="0"/>
               <a:t>separate</a:t>
             </a:r>
             <a:r>
-              <a:rPr lang="en-US" dirty="0" smtClean="0"/>
+              <a:rPr lang="en-US" dirty="0"/>
               <a:t> thread</a:t>
             </a:r>
           </a:p>
           <a:p>
             <a:r>
-              <a:rPr lang="en-US" dirty="0" smtClean="0"/>
+              <a:rPr lang="en-US" dirty="0"/>
               <a:t>Multiple threads can create very painful problems </a:t>
             </a:r>
           </a:p>
           <a:p>
             <a:pPr lvl="1"/>
             <a:r>
-              <a:rPr lang="en-US" dirty="0" smtClean="0"/>
+              <a:rPr lang="en-US" dirty="0"/>
               <a:t>Can be hard to debug (race conditions)</a:t>
             </a:r>
           </a:p>
           <a:p>
             <a:pPr lvl="1"/>
             <a:r>
-              <a:rPr lang="en-US" dirty="0" smtClean="0"/>
+              <a:rPr lang="en-US" dirty="0"/>
               <a:t>Example include </a:t>
             </a:r>
             <a:r>
-              <a:rPr lang="en-US" dirty="0" err="1" smtClean="0"/>
+              <a:rPr lang="en-US" dirty="0" err="1"/>
               <a:t>ConcurrentModificationExceptions</a:t>
             </a:r>
-            <a:endParaRPr lang="en-US" dirty="0" smtClean="0"/>
+            <a:endParaRPr lang="en-US" dirty="0"/>
           </a:p>
           <a:p>
             <a:pPr lvl="1"/>
@@ -4896,10 +4859,9 @@
           <a:lstStyle/>
           <a:p>
             <a:r>
-              <a:rPr lang="en-US" dirty="0" smtClean="0"/>
+              <a:rPr lang="en-US" dirty="0"/>
               <a:t>Timer</a:t>
             </a:r>
-            <a:endParaRPr lang="en-US" dirty="0"/>
           </a:p>
         </p:txBody>
       </p:sp>
@@ -4919,42 +4881,41 @@
           <a:lstStyle/>
           <a:p>
             <a:r>
-              <a:rPr lang="en-US" dirty="0" smtClean="0"/>
+              <a:rPr lang="en-US" dirty="0"/>
               <a:t>An alternative to a thread that waits/sleeps</a:t>
             </a:r>
           </a:p>
           <a:p>
             <a:r>
-              <a:rPr lang="en-US" dirty="0" smtClean="0"/>
+              <a:rPr lang="en-US" dirty="0"/>
               <a:t>Creates events periodically</a:t>
             </a:r>
           </a:p>
           <a:p>
             <a:r>
-              <a:rPr lang="en-US" dirty="0" smtClean="0"/>
+              <a:rPr lang="en-US" dirty="0"/>
               <a:t>Allows main thread to finish</a:t>
             </a:r>
           </a:p>
           <a:p>
             <a:r>
-              <a:rPr lang="en-US" dirty="0" smtClean="0"/>
+              <a:rPr lang="en-US" dirty="0"/>
               <a:t>Designed to work in same thread as graphics</a:t>
             </a:r>
           </a:p>
           <a:p>
             <a:r>
-              <a:rPr lang="en-US" dirty="0" smtClean="0"/>
+              <a:rPr lang="en-US" dirty="0"/>
               <a:t>Superior approach for </a:t>
             </a:r>
             <a:r>
-              <a:rPr lang="en-US" dirty="0" err="1" smtClean="0"/>
+              <a:rPr lang="en-US" dirty="0" err="1"/>
               <a:t>ArcadeGame</a:t>
             </a:r>
             <a:r>
-              <a:rPr lang="en-US" dirty="0" smtClean="0"/>
+              <a:rPr lang="en-US" dirty="0"/>
               <a:t> project</a:t>
             </a:r>
-            <a:endParaRPr lang="en-US" dirty="0"/>
           </a:p>
         </p:txBody>
       </p:sp>
@@ -5004,10 +4965,9 @@
           <a:lstStyle/>
           <a:p>
             <a:r>
-              <a:rPr lang="en-US" dirty="0" smtClean="0"/>
+              <a:rPr lang="en-US" dirty="0"/>
               <a:t>Live-coding</a:t>
             </a:r>
-            <a:endParaRPr lang="en-US" dirty="0"/>
           </a:p>
         </p:txBody>
       </p:sp>
@@ -5076,7 +5036,7 @@
           <a:lstStyle/>
           <a:p>
             <a:r>
-              <a:rPr lang="en-US" smtClean="0"/>
+              <a:rPr lang="en-US"/>
               <a:t>Reminders</a:t>
             </a:r>
             <a:endParaRPr lang="en-US" dirty="0"/>
@@ -5106,17 +5066,13 @@
             </a:pPr>
             <a:r>
               <a:rPr lang="en-US" dirty="0"/>
-              <a:t>U</a:t>
-            </a:r>
-            <a:r>
-              <a:rPr lang="en-US" dirty="0" smtClean="0"/>
-              <a:t>se your UML design when you code!</a:t>
+              <a:t>Use your UML design when you code!</a:t>
             </a:r>
           </a:p>
           <a:p>
             <a:pPr marL="914400" lvl="1" indent="-514350"/>
             <a:r>
-              <a:rPr lang="en-US" dirty="0" smtClean="0"/>
+              <a:rPr lang="en-US" dirty="0"/>
               <a:t>That’s why you did it!</a:t>
             </a:r>
           </a:p>
@@ -5126,51 +5082,34 @@
               <a:buAutoNum type="arabicPeriod"/>
             </a:pPr>
             <a:r>
-              <a:rPr lang="is-IS" dirty="0" smtClean="0"/>
+              <a:rPr lang="is-IS" dirty="0"/>
               <a:t>…</a:t>
             </a:r>
             <a:r>
-              <a:rPr lang="en-US" dirty="0" smtClean="0"/>
-              <a:t>but DON’T let </a:t>
-            </a:r>
-            <a:r>
               <a:rPr lang="en-US" dirty="0"/>
-              <a:t>it dictate the order that </a:t>
-            </a:r>
-            <a:r>
-              <a:rPr lang="en-US" dirty="0" smtClean="0"/>
-              <a:t>you code </a:t>
+              <a:t>but DON’T let it dictate the order that you code </a:t>
             </a:r>
           </a:p>
           <a:p>
             <a:pPr marL="914400" lvl="1" indent="-514350"/>
             <a:r>
-              <a:rPr lang="en-US" dirty="0" smtClean="0"/>
-              <a:t>Instead always do the next </a:t>
-            </a:r>
-            <a:r>
               <a:rPr lang="en-US" dirty="0"/>
-              <a:t>thing you can TEST</a:t>
-            </a:r>
-            <a:r>
-              <a:rPr lang="en-US" dirty="0" smtClean="0"/>
-              <a:t>.</a:t>
+              <a:t>Instead always do the next thing you can TEST.</a:t>
             </a:r>
           </a:p>
           <a:p>
             <a:pPr marL="914400" lvl="1" indent="-514350"/>
             <a:r>
-              <a:rPr lang="en-US" dirty="0" smtClean="0"/>
+              <a:rPr lang="en-US" dirty="0"/>
               <a:t>Start with a Level then a Hero and whatever you need to make them display.</a:t>
             </a:r>
           </a:p>
           <a:p>
             <a:pPr marL="914400" lvl="1" indent="-514350"/>
             <a:r>
-              <a:rPr lang="en-US" dirty="0" smtClean="0"/>
+              <a:rPr lang="en-US" dirty="0"/>
               <a:t>There is ZERO benefit to creating empty Monster classes at this point! </a:t>
             </a:r>
-            <a:endParaRPr lang="en-US" dirty="0"/>
           </a:p>
         </p:txBody>
       </p:sp>
@@ -5223,16 +5162,12 @@
               <a:defRPr/>
             </a:pPr>
             <a:r>
-              <a:rPr lang="en-US" dirty="0" smtClean="0">
+              <a:rPr lang="en-US" dirty="0">
                 <a:ea typeface="+mj-ea"/>
                 <a:cs typeface="+mj-cs"/>
               </a:rPr>
               <a:t>Team Project</a:t>
             </a:r>
-            <a:endParaRPr lang="en-US" dirty="0">
-              <a:ea typeface="+mj-ea"/>
-              <a:cs typeface="+mj-cs"/>
-            </a:endParaRPr>
           </a:p>
         </p:txBody>
       </p:sp>
@@ -5252,13 +5187,13 @@
           <a:lstStyle/>
           <a:p>
             <a:r>
-              <a:rPr lang="en-US" dirty="0" smtClean="0"/>
+              <a:rPr lang="en-US" dirty="0"/>
               <a:t>Work time</a:t>
             </a:r>
           </a:p>
           <a:p>
             <a:r>
-              <a:rPr lang="en-US" i="1" dirty="0" smtClean="0"/>
+              <a:rPr lang="en-US" i="1" dirty="0"/>
               <a:t>Be sure everyone is getting a chance to drive.</a:t>
             </a:r>
           </a:p>
@@ -5270,13 +5205,6 @@
     <a:masterClrMapping/>
   </p:clrMapOvr>
   <p:transition/>
-  <p:timing>
-    <p:tnLst>
-      <p:par>
-        <p:cTn id="1" dur="indefinite" restart="never" nodeType="tmRoot"/>
-      </p:par>
-    </p:tnLst>
-  </p:timing>
 </p:sld>
 </file>
 
